--- a/mlnd/Session 10a.pptx
+++ b/mlnd/Session 10a.pptx
@@ -1074,7 +1074,7 @@
         </p:nvSpPr>
         <p:spPr>
           <a:xfrm>
-            <a:off x="381300" y="685800"/>
+            <a:off x="381000" y="685800"/>
             <a:ext cx="6096000" cy="3429000"/>
           </a:xfrm>
           <a:custGeom>
@@ -33172,7 +33172,7 @@
               </a:spcAft>
               <a:buNone/>
             </a:pPr>
-            <a:endParaRPr sz="1800">
+            <a:endParaRPr sz="1800" dirty="0">
               <a:solidFill>
                 <a:srgbClr val="00FF00"/>
               </a:solidFill>
@@ -33193,7 +33193,7 @@
               <a:buNone/>
             </a:pPr>
             <a:r>
-              <a:rPr lang="en" sz="1800">
+              <a:rPr lang="en" sz="1800" dirty="0">
                 <a:solidFill>
                   <a:srgbClr val="00FF00"/>
                 </a:solidFill>
@@ -33202,10 +33202,22 @@
                 <a:cs typeface="Courier New"/>
                 <a:sym typeface="Courier New"/>
               </a:rPr>
-              <a:t>state = self.</a:t>
+              <a:t>state = </a:t>
             </a:r>
             <a:r>
-              <a:rPr lang="en" sz="1800" b="1">
+              <a:rPr lang="en" sz="1800" dirty="0" err="1">
+                <a:solidFill>
+                  <a:srgbClr val="00FF00"/>
+                </a:solidFill>
+                <a:latin typeface="Courier New"/>
+                <a:ea typeface="Courier New"/>
+                <a:cs typeface="Courier New"/>
+                <a:sym typeface="Courier New"/>
+              </a:rPr>
+              <a:t>self.</a:t>
+            </a:r>
+            <a:r>
+              <a:rPr lang="en" sz="1800" b="1" dirty="0" err="1">
                 <a:solidFill>
                   <a:srgbClr val="FFFF00"/>
                 </a:solidFill>
@@ -33217,7 +33229,7 @@
               <a:t>build_state</a:t>
             </a:r>
             <a:r>
-              <a:rPr lang="en" sz="1800">
+              <a:rPr lang="en" sz="1800" dirty="0">
                 <a:solidFill>
                   <a:srgbClr val="00FF00"/>
                 </a:solidFill>
@@ -33228,7 +33240,7 @@
               </a:rPr>
               <a:t>()    # Get current state</a:t>
             </a:r>
-            <a:endParaRPr sz="1800">
+            <a:endParaRPr sz="1800" dirty="0">
               <a:solidFill>
                 <a:srgbClr val="00FF00"/>
               </a:solidFill>
@@ -33249,7 +33261,7 @@
               <a:buNone/>
             </a:pPr>
             <a:r>
-              <a:rPr lang="en" sz="1800">
+              <a:rPr lang="en" sz="1800" dirty="0" err="1">
                 <a:solidFill>
                   <a:srgbClr val="00FF00"/>
                 </a:solidFill>
@@ -33261,7 +33273,7 @@
               <a:t>self.</a:t>
             </a:r>
             <a:r>
-              <a:rPr lang="en" sz="1800" b="1">
+              <a:rPr lang="en" sz="1800" b="1" dirty="0" err="1">
                 <a:solidFill>
                   <a:srgbClr val="FFFF00"/>
                 </a:solidFill>
@@ -33273,7 +33285,7 @@
               <a:t>createQ</a:t>
             </a:r>
             <a:r>
-              <a:rPr lang="en" sz="1800">
+              <a:rPr lang="en" sz="1800" dirty="0">
                 <a:solidFill>
                   <a:srgbClr val="00FF00"/>
                 </a:solidFill>
@@ -33284,7 +33296,7 @@
               </a:rPr>
               <a:t>(state)           # Create 'state' in Q-table</a:t>
             </a:r>
-            <a:endParaRPr sz="1800">
+            <a:endParaRPr sz="1800" dirty="0">
               <a:solidFill>
                 <a:srgbClr val="00FF00"/>
               </a:solidFill>
@@ -33304,7 +33316,7 @@
               </a:spcAft>
               <a:buNone/>
             </a:pPr>
-            <a:endParaRPr sz="1800">
+            <a:endParaRPr sz="1800" dirty="0">
               <a:solidFill>
                 <a:srgbClr val="00FF00"/>
               </a:solidFill>
@@ -33325,7 +33337,7 @@
               <a:buNone/>
             </a:pPr>
             <a:r>
-              <a:rPr lang="en" sz="1800">
+              <a:rPr lang="en" sz="1800" dirty="0">
                 <a:solidFill>
                   <a:srgbClr val="00FF00"/>
                 </a:solidFill>
@@ -33334,10 +33346,22 @@
                 <a:cs typeface="Courier New"/>
                 <a:sym typeface="Courier New"/>
               </a:rPr>
-              <a:t>action = self.</a:t>
+              <a:t>action = </a:t>
             </a:r>
             <a:r>
-              <a:rPr lang="en" sz="1800" b="1">
+              <a:rPr lang="en" sz="1800" dirty="0" err="1">
+                <a:solidFill>
+                  <a:srgbClr val="00FF00"/>
+                </a:solidFill>
+                <a:latin typeface="Courier New"/>
+                <a:ea typeface="Courier New"/>
+                <a:cs typeface="Courier New"/>
+                <a:sym typeface="Courier New"/>
+              </a:rPr>
+              <a:t>self.</a:t>
+            </a:r>
+            <a:r>
+              <a:rPr lang="en" sz="1800" b="1" dirty="0" err="1">
                 <a:solidFill>
                   <a:srgbClr val="FFFF00"/>
                 </a:solidFill>
@@ -33349,7 +33373,7 @@
               <a:t>choose_action</a:t>
             </a:r>
             <a:r>
-              <a:rPr lang="en" sz="1800">
+              <a:rPr lang="en" sz="1800" dirty="0">
                 <a:solidFill>
                   <a:srgbClr val="00FF00"/>
                 </a:solidFill>
@@ -33360,7 +33384,7 @@
               </a:rPr>
               <a:t>(state)  # Choose an action</a:t>
             </a:r>
-            <a:endParaRPr sz="1800">
+            <a:endParaRPr sz="1800" dirty="0">
               <a:solidFill>
                 <a:srgbClr val="00FF00"/>
               </a:solidFill>
@@ -33381,7 +33405,7 @@
               <a:buNone/>
             </a:pPr>
             <a:r>
-              <a:rPr lang="en" sz="1800">
+              <a:rPr lang="en" sz="1800" dirty="0">
                 <a:solidFill>
                   <a:srgbClr val="00FF00"/>
                 </a:solidFill>
@@ -33390,9 +33414,33 @@
                 <a:cs typeface="Courier New"/>
                 <a:sym typeface="Courier New"/>
               </a:rPr>
-              <a:t>reward = self.env.act(self, action) # Receive a reward</a:t>
+              <a:t>reward = </a:t>
             </a:r>
-            <a:endParaRPr sz="1800">
+            <a:r>
+              <a:rPr lang="en" sz="1800" dirty="0" err="1">
+                <a:solidFill>
+                  <a:srgbClr val="00FF00"/>
+                </a:solidFill>
+                <a:latin typeface="Courier New"/>
+                <a:ea typeface="Courier New"/>
+                <a:cs typeface="Courier New"/>
+                <a:sym typeface="Courier New"/>
+              </a:rPr>
+              <a:t>self.env.act</a:t>
+            </a:r>
+            <a:r>
+              <a:rPr lang="en" sz="1800" dirty="0">
+                <a:solidFill>
+                  <a:srgbClr val="00FF00"/>
+                </a:solidFill>
+                <a:latin typeface="Courier New"/>
+                <a:ea typeface="Courier New"/>
+                <a:cs typeface="Courier New"/>
+                <a:sym typeface="Courier New"/>
+              </a:rPr>
+              <a:t>(self, action) # Receive a reward</a:t>
+            </a:r>
+            <a:endParaRPr sz="1800" dirty="0">
               <a:solidFill>
                 <a:srgbClr val="00FF00"/>
               </a:solidFill>
@@ -33412,7 +33460,7 @@
               </a:spcAft>
               <a:buNone/>
             </a:pPr>
-            <a:endParaRPr sz="1800" b="1">
+            <a:endParaRPr sz="1800" b="1" dirty="0">
               <a:solidFill>
                 <a:srgbClr val="00FF00"/>
               </a:solidFill>
@@ -33433,7 +33481,7 @@
               <a:buNone/>
             </a:pPr>
             <a:r>
-              <a:rPr lang="en" sz="1800">
+              <a:rPr lang="en" sz="1800" dirty="0" err="1">
                 <a:solidFill>
                   <a:srgbClr val="00FF00"/>
                 </a:solidFill>
@@ -33445,7 +33493,7 @@
               <a:t>self</a:t>
             </a:r>
             <a:r>
-              <a:rPr lang="en" sz="1800" b="1">
+              <a:rPr lang="en" sz="1800" b="1" dirty="0" err="1">
                 <a:solidFill>
                   <a:srgbClr val="00FF00"/>
                 </a:solidFill>
@@ -33457,7 +33505,7 @@
               <a:t>.</a:t>
             </a:r>
             <a:r>
-              <a:rPr lang="en" sz="1800" b="1">
+              <a:rPr lang="en" sz="1800" b="1" dirty="0" err="1">
                 <a:solidFill>
                   <a:srgbClr val="FFFF00"/>
                 </a:solidFill>
@@ -33469,7 +33517,7 @@
               <a:t>learn</a:t>
             </a:r>
             <a:r>
-              <a:rPr lang="en" sz="1800">
+              <a:rPr lang="en" sz="1800" dirty="0">
                 <a:solidFill>
                   <a:srgbClr val="00FF00"/>
                 </a:solidFill>
@@ -33480,7 +33528,7 @@
               </a:rPr>
               <a:t>(state, action, reward)   # Q-learn</a:t>
             </a:r>
-            <a:endParaRPr sz="1800">
+            <a:endParaRPr sz="1800" dirty="0">
               <a:solidFill>
                 <a:srgbClr val="00FF00"/>
               </a:solidFill>
@@ -33500,7 +33548,7 @@
               </a:spcAft>
               <a:buNone/>
             </a:pPr>
-            <a:endParaRPr sz="1800">
+            <a:endParaRPr sz="1800" dirty="0">
               <a:solidFill>
                 <a:srgbClr val="00FF00"/>
               </a:solidFill>
@@ -33520,7 +33568,7 @@
               </a:spcAft>
               <a:buNone/>
             </a:pPr>
-            <a:endParaRPr sz="1800">
+            <a:endParaRPr sz="1800" dirty="0">
               <a:solidFill>
                 <a:srgbClr val="00FF00"/>
               </a:solidFill>
@@ -33540,7 +33588,7 @@
               </a:spcAft>
               <a:buNone/>
             </a:pPr>
-            <a:endParaRPr sz="1800">
+            <a:endParaRPr sz="1800" dirty="0">
               <a:solidFill>
                 <a:srgbClr val="00FF00"/>
               </a:solidFill>
@@ -33560,7 +33608,7 @@
         </p:nvSpPr>
         <p:spPr>
           <a:xfrm>
-            <a:off x="6323550" y="1616175"/>
+            <a:off x="6237000" y="1231350"/>
             <a:ext cx="2449800" cy="595200"/>
           </a:xfrm>
           <a:prstGeom prst="rect">
@@ -33594,7 +33642,7 @@
               <a:buNone/>
             </a:pPr>
             <a:r>
-              <a:rPr lang="en" sz="3000">
+              <a:rPr lang="en" sz="3000" dirty="0">
                 <a:solidFill>
                   <a:srgbClr val="F3F3F3"/>
                 </a:solidFill>
@@ -33604,7 +33652,7 @@
               </a:rPr>
               <a:t>OBSERVE</a:t>
             </a:r>
-            <a:endParaRPr sz="3000">
+            <a:endParaRPr sz="3000" dirty="0">
               <a:solidFill>
                 <a:srgbClr val="F3F3F3"/>
               </a:solidFill>
